--- a/modules/img/semantic-versioning.pptx
+++ b/modules/img/semantic-versioning.pptx
@@ -3377,8 +3377,8 @@
         </p:nvSpPr>
         <p:spPr>
           <a:xfrm rot="728593">
-            <a:off x="881195" y="3791670"/>
-            <a:ext cx="3536546" cy="830997"/>
+            <a:off x="1173531" y="3723114"/>
+            <a:ext cx="2930610" cy="830997"/>
           </a:xfrm>
           <a:prstGeom prst="rect">
             <a:avLst/>
@@ -3407,7 +3407,7 @@
                 <a:ea typeface="Verdana" panose="020B0604030504040204" pitchFamily="34" charset="0"/>
                 <a:cs typeface="Verdana" panose="020B0604030504040204" pitchFamily="34" charset="0"/>
               </a:rPr>
-              <a:t>incompatible changes</a:t>
+              <a:t>Breaking changes</a:t>
             </a:r>
           </a:p>
         </p:txBody>
@@ -3426,8 +3426,8 @@
         </p:nvSpPr>
         <p:spPr>
           <a:xfrm rot="723419">
-            <a:off x="3633131" y="3945738"/>
-            <a:ext cx="5035353" cy="830997"/>
+            <a:off x="3570212" y="3942607"/>
+            <a:ext cx="5051576" cy="830997"/>
           </a:xfrm>
           <a:prstGeom prst="rect">
             <a:avLst/>
@@ -3456,7 +3456,7 @@
                 <a:ea typeface="Verdana" panose="020B0604030504040204" pitchFamily="34" charset="0"/>
                 <a:cs typeface="Verdana" panose="020B0604030504040204" pitchFamily="34" charset="0"/>
               </a:rPr>
-              <a:t>backwards-compatible changes</a:t>
+              <a:t>Backwards-compatible changes</a:t>
             </a:r>
           </a:p>
         </p:txBody>
@@ -3475,8 +3475,8 @@
         </p:nvSpPr>
         <p:spPr>
           <a:xfrm rot="728558">
-            <a:off x="6929569" y="3587318"/>
-            <a:ext cx="1593706" cy="830997"/>
+            <a:off x="6921694" y="3584139"/>
+            <a:ext cx="1609351" cy="830997"/>
           </a:xfrm>
           <a:prstGeom prst="rect">
             <a:avLst/>
@@ -3505,7 +3505,7 @@
                 <a:ea typeface="Verdana" panose="020B0604030504040204" pitchFamily="34" charset="0"/>
                 <a:cs typeface="Verdana" panose="020B0604030504040204" pitchFamily="34" charset="0"/>
               </a:rPr>
-              <a:t>bug fixes</a:t>
+              <a:t>Bug fixes</a:t>
             </a:r>
           </a:p>
         </p:txBody>
